--- a/04. Principios SOLID - OCP.pptx
+++ b/04. Principios SOLID - OCP.pptx
@@ -236,7 +236,7 @@
           <a:p>
             <a:fld id="{1B113009-E86D-4EAD-B57C-C146F81250E7}" type="datetimeFigureOut">
               <a:rPr lang="es-AR" smtClean="0"/>
-              <a:t>24/3/15</a:t>
+              <a:t>3/4/15</a:t>
             </a:fld>
             <a:endParaRPr lang="es-AR"/>
           </a:p>
@@ -403,7 +403,7 @@
           <a:p>
             <a:fld id="{052CBB1C-CCF2-4176-B982-0B59C5DF6987}" type="datetimeFigureOut">
               <a:rPr lang="es-ES"/>
-              <a:t>24/3/15</a:t>
+              <a:t>3/4/15</a:t>
             </a:fld>
             <a:endParaRPr lang="es-ES"/>
           </a:p>
@@ -3468,9 +3468,9 @@
           <a:bodyPr/>
           <a:lstStyle/>
           <a:p>
-            <a:fld id="{E692A91C-B168-CD43-8548-9CA119398382}" type="datetime1">
+            <a:fld id="{E35EC747-D669-8146-9AE6-3A8A2AE5651B}" type="datetime1">
               <a:rPr lang="es-AR" smtClean="0"/>
-              <a:t>24/3/15</a:t>
+              <a:t>3/4/15</a:t>
             </a:fld>
             <a:endParaRPr lang="es-ES"/>
           </a:p>
@@ -3493,7 +3493,7 @@
           <a:p>
             <a:r>
               <a:rPr lang="es-AR" smtClean="0"/>
-              <a:t>Bases del Diseño de Software - Presentación</a:t>
+              <a:t>Bases del Diseño de Software - SOLID OCP</a:t>
             </a:r>
             <a:endParaRPr lang="es-ES"/>
           </a:p>
@@ -3659,9 +3659,9 @@
           <a:bodyPr/>
           <a:lstStyle/>
           <a:p>
-            <a:fld id="{AB9D71D2-4550-F84D-AF95-F3F1F4F5FCD4}" type="datetime1">
+            <a:fld id="{C8B12EB7-D41C-3F46-99CD-4D046299B849}" type="datetime1">
               <a:rPr lang="es-AR" smtClean="0"/>
-              <a:t>24/3/15</a:t>
+              <a:t>3/4/15</a:t>
             </a:fld>
             <a:endParaRPr lang="es-ES"/>
           </a:p>
@@ -3684,7 +3684,7 @@
           <a:p>
             <a:r>
               <a:rPr lang="es-AR" smtClean="0"/>
-              <a:t>Bases del Diseño de Software - Presentación</a:t>
+              <a:t>Bases del Diseño de Software - SOLID OCP</a:t>
             </a:r>
             <a:endParaRPr lang="es-ES"/>
           </a:p>
@@ -3820,9 +3820,9 @@
           <a:bodyPr/>
           <a:lstStyle/>
           <a:p>
-            <a:fld id="{147A1E07-97C0-524A-9623-8741475EFC9B}" type="datetime1">
+            <a:fld id="{5521B9BC-2618-1B48-B075-E1E983A42EA6}" type="datetime1">
               <a:rPr lang="es-AR" smtClean="0"/>
-              <a:t>24/3/15</a:t>
+              <a:t>3/4/15</a:t>
             </a:fld>
             <a:endParaRPr lang="es-ES"/>
           </a:p>
@@ -3845,7 +3845,7 @@
           <a:p>
             <a:r>
               <a:rPr lang="es-AR" smtClean="0"/>
-              <a:t>Bases del Diseño de Software - Presentación</a:t>
+              <a:t>Bases del Diseño de Software - SOLID OCP</a:t>
             </a:r>
             <a:endParaRPr lang="es-ES"/>
           </a:p>
@@ -5656,9 +5656,9 @@
           <a:bodyPr/>
           <a:lstStyle/>
           <a:p>
-            <a:fld id="{554AD48E-D44B-204A-97D0-5A48ABDBC01B}" type="datetime1">
+            <a:fld id="{DEB2E996-DEB9-6B4D-9B87-4F15FDAC3E01}" type="datetime1">
               <a:rPr lang="es-AR" smtClean="0"/>
-              <a:t>24/3/15</a:t>
+              <a:t>3/4/15</a:t>
             </a:fld>
             <a:endParaRPr lang="es-ES"/>
           </a:p>
@@ -5681,7 +5681,7 @@
           <a:p>
             <a:r>
               <a:rPr lang="es-AR" smtClean="0"/>
-              <a:t>Bases del Diseño de Software - Presentación</a:t>
+              <a:t>Bases del Diseño de Software - SOLID OCP</a:t>
             </a:r>
             <a:endParaRPr lang="es-ES"/>
           </a:p>
@@ -7536,9 +7536,9 @@
           <a:bodyPr/>
           <a:lstStyle/>
           <a:p>
-            <a:fld id="{36BEBB8E-63AC-8C4C-9A58-D0AFF5A0F92F}" type="datetime1">
+            <a:fld id="{D5551FC4-6A45-2E40-8E2D-2CBB01D9D285}" type="datetime1">
               <a:rPr lang="es-AR" smtClean="0"/>
-              <a:t>24/3/15</a:t>
+              <a:t>3/4/15</a:t>
             </a:fld>
             <a:endParaRPr lang="es-ES"/>
           </a:p>
@@ -7561,7 +7561,7 @@
           <a:p>
             <a:r>
               <a:rPr lang="es-AR" smtClean="0"/>
-              <a:t>Bases del Diseño de Software - Presentación</a:t>
+              <a:t>Bases del Diseño de Software - SOLID OCP</a:t>
             </a:r>
             <a:endParaRPr lang="es-ES"/>
           </a:p>
@@ -7659,9 +7659,9 @@
           <a:bodyPr/>
           <a:lstStyle/>
           <a:p>
-            <a:fld id="{E180FFDD-ED13-734E-B029-8EEA2953485E}" type="datetime1">
+            <a:fld id="{C451ABA8-D8D0-DA43-96A0-0D5511DD63B6}" type="datetime1">
               <a:rPr lang="es-AR" smtClean="0"/>
-              <a:t>24/3/15</a:t>
+              <a:t>3/4/15</a:t>
             </a:fld>
             <a:endParaRPr lang="es-ES"/>
           </a:p>
@@ -7684,7 +7684,7 @@
           <a:p>
             <a:r>
               <a:rPr lang="es-AR" smtClean="0"/>
-              <a:t>Bases del Diseño de Software - Presentación</a:t>
+              <a:t>Bases del Diseño de Software - SOLID OCP</a:t>
             </a:r>
             <a:endParaRPr lang="es-ES"/>
           </a:p>
@@ -8210,9 +8210,9 @@
           <a:bodyPr/>
           <a:lstStyle/>
           <a:p>
-            <a:fld id="{959037F8-233A-D741-B828-12326F3BAD97}" type="datetime1">
+            <a:fld id="{397D3536-7AC4-0D46-9CE7-35D93C92D32B}" type="datetime1">
               <a:rPr lang="es-AR" smtClean="0"/>
-              <a:t>24/3/15</a:t>
+              <a:t>3/4/15</a:t>
             </a:fld>
             <a:endParaRPr lang="es-ES"/>
           </a:p>
@@ -8235,7 +8235,7 @@
           <a:p>
             <a:r>
               <a:rPr lang="es-AR" smtClean="0"/>
-              <a:t>Bases del Diseño de Software - Presentación</a:t>
+              <a:t>Bases del Diseño de Software - SOLID OCP</a:t>
             </a:r>
             <a:endParaRPr lang="es-ES"/>
           </a:p>
@@ -8333,9 +8333,9 @@
           <a:bodyPr/>
           <a:lstStyle/>
           <a:p>
-            <a:fld id="{2F4C5C29-96D3-F646-8174-B737F81C6B65}" type="datetime1">
+            <a:fld id="{D4CAB1F6-EB6F-D545-A7C9-4B3D53789CC1}" type="datetime1">
               <a:rPr lang="es-AR" smtClean="0"/>
-              <a:t>24/3/15</a:t>
+              <a:t>3/4/15</a:t>
             </a:fld>
             <a:endParaRPr lang="es-ES"/>
           </a:p>
@@ -8358,7 +8358,7 @@
           <a:p>
             <a:r>
               <a:rPr lang="es-AR" smtClean="0"/>
-              <a:t>Bases del Diseño de Software - Presentación</a:t>
+              <a:t>Bases del Diseño de Software - SOLID OCP</a:t>
             </a:r>
             <a:endParaRPr lang="es-ES"/>
           </a:p>
@@ -10054,9 +10054,9 @@
           <a:bodyPr/>
           <a:lstStyle/>
           <a:p>
-            <a:fld id="{B8B04088-493D-CB4D-9DD6-F1764BF6AD07}" type="datetime1">
+            <a:fld id="{5616B712-595C-C04B-880F-13EAD9BE5B6B}" type="datetime1">
               <a:rPr lang="es-AR" smtClean="0"/>
-              <a:t>24/3/15</a:t>
+              <a:t>3/4/15</a:t>
             </a:fld>
             <a:endParaRPr lang="es-ES"/>
           </a:p>
@@ -10079,7 +10079,7 @@
           <a:p>
             <a:r>
               <a:rPr lang="es-AR" smtClean="0"/>
-              <a:t>Bases del Diseño de Software - Presentación</a:t>
+              <a:t>Bases del Diseño de Software - SOLID OCP</a:t>
             </a:r>
             <a:endParaRPr lang="es-ES"/>
           </a:p>
@@ -10215,9 +10215,9 @@
           <a:bodyPr/>
           <a:lstStyle/>
           <a:p>
-            <a:fld id="{3E968F70-9886-F648-A26D-227EEF275079}" type="datetime1">
+            <a:fld id="{A61FFB90-B907-BB43-AD50-219DD949EAD4}" type="datetime1">
               <a:rPr lang="es-AR" smtClean="0"/>
-              <a:t>24/3/15</a:t>
+              <a:t>3/4/15</a:t>
             </a:fld>
             <a:endParaRPr lang="es-ES"/>
           </a:p>
@@ -10240,7 +10240,7 @@
           <a:p>
             <a:r>
               <a:rPr lang="es-AR" smtClean="0"/>
-              <a:t>Bases del Diseño de Software - Presentación</a:t>
+              <a:t>Bases del Diseño de Software - SOLID OCP</a:t>
             </a:r>
             <a:endParaRPr lang="es-ES"/>
           </a:p>
@@ -13840,9 +13840,9 @@
           <a:bodyPr/>
           <a:lstStyle/>
           <a:p>
-            <a:fld id="{93AC3D5E-BE78-B14E-8592-7EA9C42F7C60}" type="datetime1">
+            <a:fld id="{B5F682C8-D306-4245-9F44-3E168DA770B2}" type="datetime1">
               <a:rPr lang="es-AR" smtClean="0"/>
-              <a:t>24/3/15</a:t>
+              <a:t>3/4/15</a:t>
             </a:fld>
             <a:endParaRPr lang="es-ES"/>
           </a:p>
@@ -13865,7 +13865,7 @@
           <a:p>
             <a:r>
               <a:rPr lang="es-AR" smtClean="0"/>
-              <a:t>Bases del Diseño de Software - Presentación</a:t>
+              <a:t>Bases del Diseño de Software - SOLID OCP</a:t>
             </a:r>
             <a:endParaRPr lang="es-ES"/>
           </a:p>
@@ -15709,9 +15709,9 @@
             </a:lvl1pPr>
           </a:lstStyle>
           <a:p>
-            <a:fld id="{562CC092-9E89-F84E-B0CC-B6A984562E18}" type="datetime1">
+            <a:fld id="{79402665-EB06-3946-B086-15CE7C89EE37}" type="datetime1">
               <a:rPr lang="es-AR" smtClean="0"/>
-              <a:t>24/3/15</a:t>
+              <a:t>3/4/15</a:t>
             </a:fld>
             <a:endParaRPr lang="es-ES"/>
           </a:p>
@@ -15750,7 +15750,7 @@
           <a:p>
             <a:r>
               <a:rPr lang="es-ES" smtClean="0"/>
-              <a:t>Bases del Diseño de Software - Presentación</a:t>
+              <a:t>Bases del Diseño de Software - SOLID OCP</a:t>
             </a:r>
             <a:endParaRPr lang="es-ES" dirty="0"/>
           </a:p>
@@ -15879,7 +15879,7 @@
     <p:sldLayoutId id="2147483670" r:id="rId10"/>
     <p:sldLayoutId id="2147483671" r:id="rId11"/>
   </p:sldLayoutIdLst>
-  <p:hf sldNum="0" hdr="0" dt="0"/>
+  <p:hf hdr="0" dt="0"/>
   <p:txStyles>
     <p:titleStyle>
       <a:lvl1pPr algn="ctr" defTabSz="914400" rtl="0" eaLnBrk="1" latinLnBrk="0" hangingPunct="1">
@@ -16278,22 +16278,13 @@
           <a:p>
             <a:r>
               <a:rPr lang="es-ES" dirty="0" smtClean="0"/>
-              <a:t>Principios SOLID – </a:t>
+              <a:t>Principios SOLID – OCP</a:t>
             </a:r>
+          </a:p>
+          <a:p>
             <a:r>
               <a:rPr lang="es-ES" dirty="0" smtClean="0"/>
-              <a:t>OCP</a:t>
-            </a:r>
-            <a:endParaRPr lang="es-ES" dirty="0" smtClean="0"/>
-          </a:p>
-          <a:p>
-            <a:r>
-              <a:rPr lang="es-ES" dirty="0" smtClean="0"/>
-              <a:t>Principio </a:t>
-            </a:r>
-            <a:r>
-              <a:rPr lang="es-ES" dirty="0" smtClean="0"/>
-              <a:t>de Abierto-Cerrado</a:t>
+              <a:t>Principio de Abierto-Cerrado</a:t>
             </a:r>
             <a:endParaRPr lang="es-ES" dirty="0"/>
           </a:p>
@@ -16472,6 +16463,53 @@
           </a:extLst>
         </p:spPr>
       </p:pic>
+      <p:sp>
+        <p:nvSpPr>
+          <p:cNvPr id="4" name="Marcador de pie de página 3"/>
+          <p:cNvSpPr>
+            <a:spLocks noGrp="1"/>
+          </p:cNvSpPr>
+          <p:nvPr>
+            <p:ph type="ftr" sz="quarter" idx="11"/>
+          </p:nvPr>
+        </p:nvSpPr>
+        <p:spPr/>
+        <p:txBody>
+          <a:bodyPr/>
+          <a:lstStyle/>
+          <a:p>
+            <a:r>
+              <a:rPr lang="es-AR" smtClean="0"/>
+              <a:t>Bases del Diseño de Software - SOLID OCP</a:t>
+            </a:r>
+            <a:endParaRPr lang="es-ES"/>
+          </a:p>
+        </p:txBody>
+      </p:sp>
+      <p:sp>
+        <p:nvSpPr>
+          <p:cNvPr id="5" name="Marcador de número de diapositiva 4"/>
+          <p:cNvSpPr>
+            <a:spLocks noGrp="1"/>
+          </p:cNvSpPr>
+          <p:nvPr>
+            <p:ph type="sldNum" sz="quarter" idx="12"/>
+          </p:nvPr>
+        </p:nvSpPr>
+        <p:spPr/>
+        <p:txBody>
+          <a:bodyPr/>
+          <a:lstStyle/>
+          <a:p>
+            <a:fld id="{132FADFE-3B8F-471C-ABF0-DBC7717ECBBC}" type="slidenum">
+              <a:rPr lang="es-ES" smtClean="0"/>
+              <a:pPr/>
+              <a:t>2</a:t>
+            </a:fld>
+            <a:endParaRPr lang="es-ES"/>
+          </a:p>
+        </p:txBody>
+      </p:sp>
     </p:spTree>
     <p:extLst>
       <p:ext uri="{BB962C8B-B14F-4D97-AF65-F5344CB8AC3E}">
@@ -16634,6 +16672,53 @@
           </a:extLst>
         </p:spPr>
       </p:pic>
+      <p:sp>
+        <p:nvSpPr>
+          <p:cNvPr id="4" name="Marcador de pie de página 3"/>
+          <p:cNvSpPr>
+            <a:spLocks noGrp="1"/>
+          </p:cNvSpPr>
+          <p:nvPr>
+            <p:ph type="ftr" sz="quarter" idx="11"/>
+          </p:nvPr>
+        </p:nvSpPr>
+        <p:spPr/>
+        <p:txBody>
+          <a:bodyPr/>
+          <a:lstStyle/>
+          <a:p>
+            <a:r>
+              <a:rPr lang="es-AR" smtClean="0"/>
+              <a:t>Bases del Diseño de Software - SOLID OCP</a:t>
+            </a:r>
+            <a:endParaRPr lang="es-ES"/>
+          </a:p>
+        </p:txBody>
+      </p:sp>
+      <p:sp>
+        <p:nvSpPr>
+          <p:cNvPr id="5" name="Marcador de número de diapositiva 4"/>
+          <p:cNvSpPr>
+            <a:spLocks noGrp="1"/>
+          </p:cNvSpPr>
+          <p:nvPr>
+            <p:ph type="sldNum" sz="quarter" idx="12"/>
+          </p:nvPr>
+        </p:nvSpPr>
+        <p:spPr/>
+        <p:txBody>
+          <a:bodyPr/>
+          <a:lstStyle/>
+          <a:p>
+            <a:fld id="{132FADFE-3B8F-471C-ABF0-DBC7717ECBBC}" type="slidenum">
+              <a:rPr lang="es-ES" smtClean="0"/>
+              <a:pPr/>
+              <a:t>3</a:t>
+            </a:fld>
+            <a:endParaRPr lang="es-ES"/>
+          </a:p>
+        </p:txBody>
+      </p:sp>
     </p:spTree>
     <p:extLst>
       <p:ext uri="{BB962C8B-B14F-4D97-AF65-F5344CB8AC3E}">
@@ -16700,7 +16785,7 @@
         <p:spPr>
           <a:xfrm>
             <a:off x="457200" y="1935480"/>
-            <a:ext cx="4762872" cy="4389120"/>
+            <a:ext cx="4978896" cy="4389120"/>
           </a:xfrm>
         </p:spPr>
         <p:txBody>
@@ -16738,13 +16823,30 @@
                   </a:schemeClr>
                 </a:solidFill>
               </a:rPr>
-              <a:t>Las entidades de software (clases, módulos,</a:t>
+              <a:t>Las entidades de software </a:t>
             </a:r>
+            <a:endParaRPr lang="es-AR" dirty="0" smtClean="0">
+              <a:solidFill>
+                <a:schemeClr val="accent1">
+                  <a:lumMod val="75000"/>
+                </a:schemeClr>
+              </a:solidFill>
+            </a:endParaRPr>
           </a:p>
           <a:p>
             <a:pPr marL="0" indent="0" algn="ctr">
               <a:buNone/>
             </a:pPr>
+            <a:r>
+              <a:rPr lang="es-AR" dirty="0" smtClean="0">
+                <a:solidFill>
+                  <a:schemeClr val="accent1">
+                    <a:lumMod val="75000"/>
+                  </a:schemeClr>
+                </a:solidFill>
+              </a:rPr>
+              <a:t>(</a:t>
+            </a:r>
             <a:r>
               <a:rPr lang="es-AR" dirty="0">
                 <a:solidFill>
@@ -16753,7 +16855,59 @@
                   </a:schemeClr>
                 </a:solidFill>
               </a:rPr>
-              <a:t>funciones) deberían estar abiertas para</a:t>
+              <a:t>clases, módulos</a:t>
+            </a:r>
+            <a:r>
+              <a:rPr lang="es-AR" dirty="0" smtClean="0">
+                <a:solidFill>
+                  <a:schemeClr val="accent1">
+                    <a:lumMod val="75000"/>
+                  </a:schemeClr>
+                </a:solidFill>
+              </a:rPr>
+              <a:t>,funciones</a:t>
+            </a:r>
+            <a:r>
+              <a:rPr lang="es-AR" dirty="0">
+                <a:solidFill>
+                  <a:schemeClr val="accent1">
+                    <a:lumMod val="75000"/>
+                  </a:schemeClr>
+                </a:solidFill>
+              </a:rPr>
+              <a:t>) </a:t>
+            </a:r>
+            <a:endParaRPr lang="es-AR" dirty="0" smtClean="0">
+              <a:solidFill>
+                <a:schemeClr val="accent1">
+                  <a:lumMod val="75000"/>
+                </a:schemeClr>
+              </a:solidFill>
+            </a:endParaRPr>
+          </a:p>
+          <a:p>
+            <a:pPr marL="0" indent="0" algn="ctr">
+              <a:buNone/>
+            </a:pPr>
+            <a:r>
+              <a:rPr lang="es-AR" dirty="0" smtClean="0">
+                <a:solidFill>
+                  <a:schemeClr val="accent1">
+                    <a:lumMod val="75000"/>
+                  </a:schemeClr>
+                </a:solidFill>
+              </a:rPr>
+              <a:t>deberían </a:t>
+            </a:r>
+            <a:r>
+              <a:rPr lang="es-AR" dirty="0">
+                <a:solidFill>
+                  <a:schemeClr val="accent1">
+                    <a:lumMod val="75000"/>
+                  </a:schemeClr>
+                </a:solidFill>
+              </a:rPr>
+              <a:t>estar abiertas para</a:t>
             </a:r>
           </a:p>
           <a:p>
@@ -16814,6 +16968,53 @@
           </a:extLst>
         </p:spPr>
       </p:pic>
+      <p:sp>
+        <p:nvSpPr>
+          <p:cNvPr id="4" name="Marcador de pie de página 3"/>
+          <p:cNvSpPr>
+            <a:spLocks noGrp="1"/>
+          </p:cNvSpPr>
+          <p:nvPr>
+            <p:ph type="ftr" sz="quarter" idx="11"/>
+          </p:nvPr>
+        </p:nvSpPr>
+        <p:spPr/>
+        <p:txBody>
+          <a:bodyPr/>
+          <a:lstStyle/>
+          <a:p>
+            <a:r>
+              <a:rPr lang="es-AR" smtClean="0"/>
+              <a:t>Bases del Diseño de Software - SOLID OCP</a:t>
+            </a:r>
+            <a:endParaRPr lang="es-ES"/>
+          </a:p>
+        </p:txBody>
+      </p:sp>
+      <p:sp>
+        <p:nvSpPr>
+          <p:cNvPr id="5" name="Marcador de número de diapositiva 4"/>
+          <p:cNvSpPr>
+            <a:spLocks noGrp="1"/>
+          </p:cNvSpPr>
+          <p:nvPr>
+            <p:ph type="sldNum" sz="quarter" idx="12"/>
+          </p:nvPr>
+        </p:nvSpPr>
+        <p:spPr/>
+        <p:txBody>
+          <a:bodyPr/>
+          <a:lstStyle/>
+          <a:p>
+            <a:fld id="{132FADFE-3B8F-471C-ABF0-DBC7717ECBBC}" type="slidenum">
+              <a:rPr lang="es-ES" smtClean="0"/>
+              <a:pPr/>
+              <a:t>4</a:t>
+            </a:fld>
+            <a:endParaRPr lang="es-ES"/>
+          </a:p>
+        </p:txBody>
+      </p:sp>
     </p:spTree>
     <p:extLst>
       <p:ext uri="{BB962C8B-B14F-4D97-AF65-F5344CB8AC3E}">
@@ -17085,6 +17286,53 @@
           </a:extLst>
         </p:spPr>
       </p:pic>
+      <p:sp>
+        <p:nvSpPr>
+          <p:cNvPr id="4" name="Marcador de pie de página 3"/>
+          <p:cNvSpPr>
+            <a:spLocks noGrp="1"/>
+          </p:cNvSpPr>
+          <p:nvPr>
+            <p:ph type="ftr" sz="quarter" idx="11"/>
+          </p:nvPr>
+        </p:nvSpPr>
+        <p:spPr/>
+        <p:txBody>
+          <a:bodyPr/>
+          <a:lstStyle/>
+          <a:p>
+            <a:r>
+              <a:rPr lang="es-AR" smtClean="0"/>
+              <a:t>Bases del Diseño de Software - SOLID OCP</a:t>
+            </a:r>
+            <a:endParaRPr lang="es-ES"/>
+          </a:p>
+        </p:txBody>
+      </p:sp>
+      <p:sp>
+        <p:nvSpPr>
+          <p:cNvPr id="5" name="Marcador de número de diapositiva 4"/>
+          <p:cNvSpPr>
+            <a:spLocks noGrp="1"/>
+          </p:cNvSpPr>
+          <p:nvPr>
+            <p:ph type="sldNum" sz="quarter" idx="12"/>
+          </p:nvPr>
+        </p:nvSpPr>
+        <p:spPr/>
+        <p:txBody>
+          <a:bodyPr/>
+          <a:lstStyle/>
+          <a:p>
+            <a:fld id="{132FADFE-3B8F-471C-ABF0-DBC7717ECBBC}" type="slidenum">
+              <a:rPr lang="es-ES" smtClean="0"/>
+              <a:pPr/>
+              <a:t>5</a:t>
+            </a:fld>
+            <a:endParaRPr lang="es-ES"/>
+          </a:p>
+        </p:txBody>
+      </p:sp>
     </p:spTree>
     <p:extLst>
       <p:ext uri="{BB962C8B-B14F-4D97-AF65-F5344CB8AC3E}">
@@ -17190,6 +17438,53 @@
               <a:t>La clases derivadas de las abstracciones implementan las variaciones y extensiones. </a:t>
             </a:r>
             <a:endParaRPr lang="es-AR" dirty="0"/>
+          </a:p>
+        </p:txBody>
+      </p:sp>
+      <p:sp>
+        <p:nvSpPr>
+          <p:cNvPr id="4" name="Marcador de pie de página 3"/>
+          <p:cNvSpPr>
+            <a:spLocks noGrp="1"/>
+          </p:cNvSpPr>
+          <p:nvPr>
+            <p:ph type="ftr" sz="quarter" idx="11"/>
+          </p:nvPr>
+        </p:nvSpPr>
+        <p:spPr/>
+        <p:txBody>
+          <a:bodyPr/>
+          <a:lstStyle/>
+          <a:p>
+            <a:r>
+              <a:rPr lang="es-AR" smtClean="0"/>
+              <a:t>Bases del Diseño de Software - SOLID OCP</a:t>
+            </a:r>
+            <a:endParaRPr lang="es-ES"/>
+          </a:p>
+        </p:txBody>
+      </p:sp>
+      <p:sp>
+        <p:nvSpPr>
+          <p:cNvPr id="5" name="Marcador de número de diapositiva 4"/>
+          <p:cNvSpPr>
+            <a:spLocks noGrp="1"/>
+          </p:cNvSpPr>
+          <p:nvPr>
+            <p:ph type="sldNum" sz="quarter" idx="12"/>
+          </p:nvPr>
+        </p:nvSpPr>
+        <p:spPr/>
+        <p:txBody>
+          <a:bodyPr/>
+          <a:lstStyle/>
+          <a:p>
+            <a:fld id="{132FADFE-3B8F-471C-ABF0-DBC7717ECBBC}" type="slidenum">
+              <a:rPr lang="es-ES" smtClean="0"/>
+              <a:pPr/>
+              <a:t>6</a:t>
+            </a:fld>
+            <a:endParaRPr lang="es-ES"/>
           </a:p>
         </p:txBody>
       </p:sp>
@@ -17269,7 +17564,7 @@
         </p:blipFill>
         <p:spPr bwMode="auto">
           <a:xfrm>
-            <a:off x="2411760" y="2060848"/>
+            <a:off x="539552" y="2420888"/>
             <a:ext cx="3802043" cy="1566250"/>
           </a:xfrm>
           <a:prstGeom prst="rect">
@@ -17333,7 +17628,7 @@
         </p:blipFill>
         <p:spPr bwMode="auto">
           <a:xfrm>
-            <a:off x="2483768" y="3861048"/>
+            <a:off x="4788024" y="2420888"/>
             <a:ext cx="3802043" cy="2815507"/>
           </a:xfrm>
           <a:prstGeom prst="rect">
@@ -17374,6 +17669,53 @@
           </a:extLst>
         </p:spPr>
       </p:pic>
+      <p:sp>
+        <p:nvSpPr>
+          <p:cNvPr id="3" name="Marcador de pie de página 2"/>
+          <p:cNvSpPr>
+            <a:spLocks noGrp="1"/>
+          </p:cNvSpPr>
+          <p:nvPr>
+            <p:ph type="ftr" sz="quarter" idx="11"/>
+          </p:nvPr>
+        </p:nvSpPr>
+        <p:spPr/>
+        <p:txBody>
+          <a:bodyPr/>
+          <a:lstStyle/>
+          <a:p>
+            <a:r>
+              <a:rPr lang="es-AR" smtClean="0"/>
+              <a:t>Bases del Diseño de Software - SOLID OCP</a:t>
+            </a:r>
+            <a:endParaRPr lang="es-ES"/>
+          </a:p>
+        </p:txBody>
+      </p:sp>
+      <p:sp>
+        <p:nvSpPr>
+          <p:cNvPr id="4" name="Marcador de número de diapositiva 3"/>
+          <p:cNvSpPr>
+            <a:spLocks noGrp="1"/>
+          </p:cNvSpPr>
+          <p:nvPr>
+            <p:ph type="sldNum" sz="quarter" idx="12"/>
+          </p:nvPr>
+        </p:nvSpPr>
+        <p:spPr/>
+        <p:txBody>
+          <a:bodyPr/>
+          <a:lstStyle/>
+          <a:p>
+            <a:fld id="{132FADFE-3B8F-471C-ABF0-DBC7717ECBBC}" type="slidenum">
+              <a:rPr lang="es-ES" smtClean="0"/>
+              <a:pPr/>
+              <a:t>7</a:t>
+            </a:fld>
+            <a:endParaRPr lang="es-ES"/>
+          </a:p>
+        </p:txBody>
+      </p:sp>
     </p:spTree>
     <p:extLst>
       <p:ext uri="{BB962C8B-B14F-4D97-AF65-F5344CB8AC3E}">
@@ -17437,7 +17779,12 @@
             <p:ph type="body" idx="1"/>
           </p:nvPr>
         </p:nvSpPr>
-        <p:spPr/>
+        <p:spPr>
+          <a:xfrm>
+            <a:off x="676656" y="2492897"/>
+            <a:ext cx="3822192" cy="639762"/>
+          </a:xfrm>
+        </p:spPr>
         <p:txBody>
           <a:bodyPr/>
           <a:lstStyle/>
@@ -17461,7 +17808,12 @@
             <p:ph type="body" sz="half" idx="3"/>
           </p:nvPr>
         </p:nvSpPr>
-        <p:spPr/>
+        <p:spPr>
+          <a:xfrm>
+            <a:off x="4648200" y="2492896"/>
+            <a:ext cx="3822192" cy="639762"/>
+          </a:xfrm>
+        </p:spPr>
         <p:txBody>
           <a:bodyPr/>
           <a:lstStyle/>
@@ -17485,7 +17837,12 @@
             <p:ph sz="quarter" idx="2"/>
           </p:nvPr>
         </p:nvSpPr>
-        <p:spPr/>
+        <p:spPr>
+          <a:xfrm>
+            <a:off x="677332" y="3243783"/>
+            <a:ext cx="3820055" cy="2697163"/>
+          </a:xfrm>
+        </p:spPr>
         <p:txBody>
           <a:bodyPr>
             <a:normAutofit lnSpcReduction="10000"/>
@@ -17549,7 +17906,12 @@
             <p:ph sz="quarter" idx="4"/>
           </p:nvPr>
         </p:nvSpPr>
-        <p:spPr/>
+        <p:spPr>
+          <a:xfrm>
+            <a:off x="4645025" y="3243783"/>
+            <a:ext cx="3822192" cy="2697163"/>
+          </a:xfrm>
+        </p:spPr>
         <p:txBody>
           <a:bodyPr>
             <a:normAutofit fontScale="92500" lnSpcReduction="10000"/>
@@ -17634,6 +17996,53 @@
               <a:rPr lang="es-AR" dirty="0"/>
               <a:t>Usar SIEMPRE el sentido común!</a:t>
             </a:r>
+          </a:p>
+        </p:txBody>
+      </p:sp>
+      <p:sp>
+        <p:nvSpPr>
+          <p:cNvPr id="7" name="Marcador de pie de página 6"/>
+          <p:cNvSpPr>
+            <a:spLocks noGrp="1"/>
+          </p:cNvSpPr>
+          <p:nvPr>
+            <p:ph type="ftr" sz="quarter" idx="11"/>
+          </p:nvPr>
+        </p:nvSpPr>
+        <p:spPr/>
+        <p:txBody>
+          <a:bodyPr/>
+          <a:lstStyle/>
+          <a:p>
+            <a:r>
+              <a:rPr lang="es-AR" smtClean="0"/>
+              <a:t>Bases del Diseño de Software - SOLID OCP</a:t>
+            </a:r>
+            <a:endParaRPr lang="es-ES"/>
+          </a:p>
+        </p:txBody>
+      </p:sp>
+      <p:sp>
+        <p:nvSpPr>
+          <p:cNvPr id="8" name="Marcador de número de diapositiva 7"/>
+          <p:cNvSpPr>
+            <a:spLocks noGrp="1"/>
+          </p:cNvSpPr>
+          <p:nvPr>
+            <p:ph type="sldNum" sz="quarter" idx="12"/>
+          </p:nvPr>
+        </p:nvSpPr>
+        <p:spPr/>
+        <p:txBody>
+          <a:bodyPr/>
+          <a:lstStyle/>
+          <a:p>
+            <a:fld id="{132FADFE-3B8F-471C-ABF0-DBC7717ECBBC}" type="slidenum">
+              <a:rPr lang="es-ES" smtClean="0"/>
+              <a:pPr/>
+              <a:t>8</a:t>
+            </a:fld>
+            <a:endParaRPr lang="es-ES"/>
           </a:p>
         </p:txBody>
       </p:sp>
@@ -17749,6 +18158,53 @@
               <a:t>POLIMORFISMO</a:t>
             </a:r>
             <a:endParaRPr lang="es-AR" sz="6600" dirty="0"/>
+          </a:p>
+        </p:txBody>
+      </p:sp>
+      <p:sp>
+        <p:nvSpPr>
+          <p:cNvPr id="5" name="Marcador de pie de página 4"/>
+          <p:cNvSpPr>
+            <a:spLocks noGrp="1"/>
+          </p:cNvSpPr>
+          <p:nvPr>
+            <p:ph type="ftr" sz="quarter" idx="11"/>
+          </p:nvPr>
+        </p:nvSpPr>
+        <p:spPr/>
+        <p:txBody>
+          <a:bodyPr/>
+          <a:lstStyle/>
+          <a:p>
+            <a:r>
+              <a:rPr lang="es-AR" smtClean="0"/>
+              <a:t>Bases del Diseño de Software - SOLID OCP</a:t>
+            </a:r>
+            <a:endParaRPr lang="es-ES"/>
+          </a:p>
+        </p:txBody>
+      </p:sp>
+      <p:sp>
+        <p:nvSpPr>
+          <p:cNvPr id="6" name="Marcador de número de diapositiva 5"/>
+          <p:cNvSpPr>
+            <a:spLocks noGrp="1"/>
+          </p:cNvSpPr>
+          <p:nvPr>
+            <p:ph type="sldNum" sz="quarter" idx="12"/>
+          </p:nvPr>
+        </p:nvSpPr>
+        <p:spPr/>
+        <p:txBody>
+          <a:bodyPr/>
+          <a:lstStyle/>
+          <a:p>
+            <a:fld id="{132FADFE-3B8F-471C-ABF0-DBC7717ECBBC}" type="slidenum">
+              <a:rPr lang="es-ES" smtClean="0"/>
+              <a:pPr/>
+              <a:t>9</a:t>
+            </a:fld>
+            <a:endParaRPr lang="es-ES"/>
           </a:p>
         </p:txBody>
       </p:sp>

--- a/04. Principios SOLID - OCP.pptx
+++ b/04. Principios SOLID - OCP.pptx
@@ -137,7 +137,7 @@
       </p14:sectionLst>
     </p:ext>
     <p:ext uri="{EFAFB233-063F-42B5-8137-9DF3F51BA10A}">
-      <p15:sldGuideLst xmlns="" xmlns:p15="http://schemas.microsoft.com/office/powerpoint/2012/main">
+      <p15:sldGuideLst xmlns:p15="http://schemas.microsoft.com/office/powerpoint/2012/main" xmlns="">
         <p15:guide id="1" orient="horz" pos="2160">
           <p15:clr>
             <a:srgbClr val="A4A3A4"/>
@@ -236,7 +236,7 @@
           <a:p>
             <a:fld id="{1B113009-E86D-4EAD-B57C-C146F81250E7}" type="datetimeFigureOut">
               <a:rPr lang="es-AR" smtClean="0"/>
-              <a:t>3/4/15</a:t>
+              <a:t>6/4/15</a:t>
             </a:fld>
             <a:endParaRPr lang="es-AR"/>
           </a:p>
@@ -403,7 +403,7 @@
           <a:p>
             <a:fld id="{052CBB1C-CCF2-4176-B982-0B59C5DF6987}" type="datetimeFigureOut">
               <a:rPr lang="es-ES"/>
-              <a:t>3/4/15</a:t>
+              <a:t>6/4/15</a:t>
             </a:fld>
             <a:endParaRPr lang="es-ES"/>
           </a:p>
@@ -3470,7 +3470,7 @@
           <a:p>
             <a:fld id="{E35EC747-D669-8146-9AE6-3A8A2AE5651B}" type="datetime1">
               <a:rPr lang="es-AR" smtClean="0"/>
-              <a:t>3/4/15</a:t>
+              <a:t>6/4/15</a:t>
             </a:fld>
             <a:endParaRPr lang="es-ES"/>
           </a:p>
@@ -3661,7 +3661,7 @@
           <a:p>
             <a:fld id="{C8B12EB7-D41C-3F46-99CD-4D046299B849}" type="datetime1">
               <a:rPr lang="es-AR" smtClean="0"/>
-              <a:t>3/4/15</a:t>
+              <a:t>6/4/15</a:t>
             </a:fld>
             <a:endParaRPr lang="es-ES"/>
           </a:p>
@@ -3822,7 +3822,7 @@
           <a:p>
             <a:fld id="{5521B9BC-2618-1B48-B075-E1E983A42EA6}" type="datetime1">
               <a:rPr lang="es-AR" smtClean="0"/>
-              <a:t>3/4/15</a:t>
+              <a:t>6/4/15</a:t>
             </a:fld>
             <a:endParaRPr lang="es-ES"/>
           </a:p>
@@ -5658,7 +5658,7 @@
           <a:p>
             <a:fld id="{DEB2E996-DEB9-6B4D-9B87-4F15FDAC3E01}" type="datetime1">
               <a:rPr lang="es-AR" smtClean="0"/>
-              <a:t>3/4/15</a:t>
+              <a:t>6/4/15</a:t>
             </a:fld>
             <a:endParaRPr lang="es-ES"/>
           </a:p>
@@ -7538,7 +7538,7 @@
           <a:p>
             <a:fld id="{D5551FC4-6A45-2E40-8E2D-2CBB01D9D285}" type="datetime1">
               <a:rPr lang="es-AR" smtClean="0"/>
-              <a:t>3/4/15</a:t>
+              <a:t>6/4/15</a:t>
             </a:fld>
             <a:endParaRPr lang="es-ES"/>
           </a:p>
@@ -7661,7 +7661,7 @@
           <a:p>
             <a:fld id="{C451ABA8-D8D0-DA43-96A0-0D5511DD63B6}" type="datetime1">
               <a:rPr lang="es-AR" smtClean="0"/>
-              <a:t>3/4/15</a:t>
+              <a:t>6/4/15</a:t>
             </a:fld>
             <a:endParaRPr lang="es-ES"/>
           </a:p>
@@ -8212,7 +8212,7 @@
           <a:p>
             <a:fld id="{397D3536-7AC4-0D46-9CE7-35D93C92D32B}" type="datetime1">
               <a:rPr lang="es-AR" smtClean="0"/>
-              <a:t>3/4/15</a:t>
+              <a:t>6/4/15</a:t>
             </a:fld>
             <a:endParaRPr lang="es-ES"/>
           </a:p>
@@ -8335,7 +8335,7 @@
           <a:p>
             <a:fld id="{D4CAB1F6-EB6F-D545-A7C9-4B3D53789CC1}" type="datetime1">
               <a:rPr lang="es-AR" smtClean="0"/>
-              <a:t>3/4/15</a:t>
+              <a:t>6/4/15</a:t>
             </a:fld>
             <a:endParaRPr lang="es-ES"/>
           </a:p>
@@ -10056,7 +10056,7 @@
           <a:p>
             <a:fld id="{5616B712-595C-C04B-880F-13EAD9BE5B6B}" type="datetime1">
               <a:rPr lang="es-AR" smtClean="0"/>
-              <a:t>3/4/15</a:t>
+              <a:t>6/4/15</a:t>
             </a:fld>
             <a:endParaRPr lang="es-ES"/>
           </a:p>
@@ -10217,7 +10217,7 @@
           <a:p>
             <a:fld id="{A61FFB90-B907-BB43-AD50-219DD949EAD4}" type="datetime1">
               <a:rPr lang="es-AR" smtClean="0"/>
-              <a:t>3/4/15</a:t>
+              <a:t>6/4/15</a:t>
             </a:fld>
             <a:endParaRPr lang="es-ES"/>
           </a:p>
@@ -13842,7 +13842,7 @@
           <a:p>
             <a:fld id="{B5F682C8-D306-4245-9F44-3E168DA770B2}" type="datetime1">
               <a:rPr lang="es-AR" smtClean="0"/>
-              <a:t>3/4/15</a:t>
+              <a:t>6/4/15</a:t>
             </a:fld>
             <a:endParaRPr lang="es-ES"/>
           </a:p>
@@ -15711,7 +15711,7 @@
           <a:p>
             <a:fld id="{79402665-EB06-3946-B086-15CE7C89EE37}" type="datetime1">
               <a:rPr lang="es-AR" smtClean="0"/>
-              <a:t>3/4/15</a:t>
+              <a:t>6/4/15</a:t>
             </a:fld>
             <a:endParaRPr lang="es-ES"/>
           </a:p>
@@ -16729,6 +16729,89 @@
   <p:clrMapOvr>
     <a:masterClrMapping/>
   </p:clrMapOvr>
+  <p:timing>
+    <p:tnLst>
+      <p:par>
+        <p:cTn xmlns:p14="http://schemas.microsoft.com/office/powerpoint/2010/main" id="1" dur="indefinite" restart="never" nodeType="tmRoot">
+          <p:childTnLst>
+            <p:seq concurrent="1" nextAc="seek">
+              <p:cTn id="2" dur="indefinite" nodeType="mainSeq">
+                <p:childTnLst>
+                  <p:par>
+                    <p:cTn id="3" fill="hold">
+                      <p:stCondLst>
+                        <p:cond delay="indefinite"/>
+                      </p:stCondLst>
+                      <p:childTnLst>
+                        <p:par>
+                          <p:cTn id="4" fill="hold">
+                            <p:stCondLst>
+                              <p:cond delay="0"/>
+                            </p:stCondLst>
+                            <p:childTnLst>
+                              <p:par>
+                                <p:cTn id="5" presetID="9" presetClass="entr" presetSubtype="0" fill="hold" nodeType="clickEffect">
+                                  <p:stCondLst>
+                                    <p:cond delay="0"/>
+                                  </p:stCondLst>
+                                  <p:childTnLst>
+                                    <p:set>
+                                      <p:cBhvr>
+                                        <p:cTn id="6" dur="1" fill="hold">
+                                          <p:stCondLst>
+                                            <p:cond delay="0"/>
+                                          </p:stCondLst>
+                                        </p:cTn>
+                                        <p:tgtEl>
+                                          <p:spTgt spid="4098"/>
+                                        </p:tgtEl>
+                                        <p:attrNameLst>
+                                          <p:attrName>style.visibility</p:attrName>
+                                        </p:attrNameLst>
+                                      </p:cBhvr>
+                                      <p:to>
+                                        <p:strVal val="visible"/>
+                                      </p:to>
+                                    </p:set>
+                                    <p:animEffect transition="in" filter="dissolve">
+                                      <p:cBhvr>
+                                        <p:cTn id="7" dur="500"/>
+                                        <p:tgtEl>
+                                          <p:spTgt spid="4098"/>
+                                        </p:tgtEl>
+                                      </p:cBhvr>
+                                    </p:animEffect>
+                                  </p:childTnLst>
+                                </p:cTn>
+                              </p:par>
+                            </p:childTnLst>
+                          </p:cTn>
+                        </p:par>
+                      </p:childTnLst>
+                    </p:cTn>
+                  </p:par>
+                </p:childTnLst>
+              </p:cTn>
+              <p:prevCondLst>
+                <p:cond evt="onPrev" delay="0">
+                  <p:tgtEl>
+                    <p:sldTgt/>
+                  </p:tgtEl>
+                </p:cond>
+              </p:prevCondLst>
+              <p:nextCondLst>
+                <p:cond evt="onNext" delay="0">
+                  <p:tgtEl>
+                    <p:sldTgt/>
+                  </p:tgtEl>
+                </p:cond>
+              </p:nextCondLst>
+            </p:seq>
+          </p:childTnLst>
+        </p:cTn>
+      </p:par>
+    </p:tnLst>
+  </p:timing>
 </p:sld>
 </file>
 
@@ -17025,6 +17108,13 @@
   <p:clrMapOvr>
     <a:masterClrMapping/>
   </p:clrMapOvr>
+  <p:timing>
+    <p:tnLst>
+      <p:par>
+        <p:cTn xmlns:p14="http://schemas.microsoft.com/office/powerpoint/2010/main" id="1" dur="indefinite" restart="never" nodeType="tmRoot"/>
+      </p:par>
+    </p:tnLst>
+  </p:timing>
 </p:sld>
 </file>
 
@@ -17343,6 +17433,13 @@
   <p:clrMapOvr>
     <a:masterClrMapping/>
   </p:clrMapOvr>
+  <p:timing>
+    <p:tnLst>
+      <p:par>
+        <p:cTn xmlns:p14="http://schemas.microsoft.com/office/powerpoint/2010/main" id="1" dur="indefinite" restart="never" nodeType="tmRoot"/>
+      </p:par>
+    </p:tnLst>
+  </p:timing>
 </p:sld>
 </file>
 
@@ -17498,6 +17595,13 @@
   <p:clrMapOvr>
     <a:masterClrMapping/>
   </p:clrMapOvr>
+  <p:timing>
+    <p:tnLst>
+      <p:par>
+        <p:cTn xmlns:p14="http://schemas.microsoft.com/office/powerpoint/2010/main" id="1" dur="indefinite" restart="never" nodeType="tmRoot"/>
+      </p:par>
+    </p:tnLst>
+  </p:timing>
 </p:sld>
 </file>
 
@@ -17726,6 +17830,13 @@
   <p:clrMapOvr>
     <a:masterClrMapping/>
   </p:clrMapOvr>
+  <p:timing>
+    <p:tnLst>
+      <p:par>
+        <p:cTn xmlns:p14="http://schemas.microsoft.com/office/powerpoint/2010/main" id="1" dur="indefinite" restart="never" nodeType="tmRoot"/>
+      </p:par>
+    </p:tnLst>
+  </p:timing>
 </p:sld>
 </file>
 
@@ -19057,7 +19168,7 @@
   <a:extraClrSchemeLst/>
   <a:extLst>
     <a:ext uri="{05A4C25C-085E-4340-85A3-A5531E510DB2}">
-      <thm15:themeFamily xmlns="" xmlns:thm15="http://schemas.microsoft.com/office/thememl/2012/main" name="Office Theme" id="{62F939B6-93AF-4DB8-9C6B-D6C7DFDC589F}" vid="{4A3C46E8-61CC-4603-A589-7422A47A8E4A}"/>
+      <thm15:themeFamily xmlns:thm15="http://schemas.microsoft.com/office/thememl/2012/main" xmlns="" name="Office Theme" id="{62F939B6-93AF-4DB8-9C6B-D6C7DFDC589F}" vid="{4A3C46E8-61CC-4603-A589-7422A47A8E4A}"/>
     </a:ext>
   </a:extLst>
 </a:theme>
